--- a/static_slides/WPTO_Tutorial_presentation_static_slides.pptx
+++ b/static_slides/WPTO_Tutorial_presentation_static_slides.pptx
@@ -3426,7 +3426,7 @@
           <a:p>
             <a:r>
               <a:rPr lang="en-US" sz="3200" i="1" dirty="0"/>
-              <a:t>WPTO Wave Hindcast Dataset Access Tutorial</a:t>
+              <a:t>WPTO Wave Hindcast Dataset Introduction</a:t>
             </a:r>
           </a:p>
         </p:txBody>
@@ -4058,7 +4058,7 @@
             <a:pPr lvl="1"/>
             <a:r>
               <a:rPr lang="en-US" dirty="0"/>
-              <a:t>Ways it can be add to a work flow</a:t>
+              <a:t>Ways it can be added to a workflow</a:t>
             </a:r>
           </a:p>
           <a:p>
@@ -4241,15 +4241,7 @@
             </a:pPr>
             <a:r>
               <a:rPr lang="en-US" sz="2000" dirty="0"/>
-              <a:t>These slides will reference a </a:t>
-            </a:r>
-            <a:r>
-              <a:rPr lang="en-US" sz="2000" dirty="0" err="1"/>
-              <a:t>jupyter</a:t>
-            </a:r>
-            <a:r>
-              <a:rPr lang="en-US" sz="2000" dirty="0"/>
-              <a:t> notebook available at the link below which contains the working code examples described here:</a:t>
+              <a:t>Code Examples for dataset access through a command line interface and python can currently be found:</a:t>
             </a:r>
           </a:p>
         </p:txBody>
@@ -4422,41 +4414,6 @@
           </a:p>
           <a:p>
             <a:endParaRPr lang="en-US" sz="2000" dirty="0"/>
-          </a:p>
-        </p:txBody>
-      </p:sp>
-      <p:sp>
-        <p:nvSpPr>
-          <p:cNvPr id="4" name="TextBox 3">
-            <a:extLst>
-              <a:ext uri="{FF2B5EF4-FFF2-40B4-BE49-F238E27FC236}">
-                <a16:creationId xmlns:a16="http://schemas.microsoft.com/office/drawing/2014/main" id="{C8981391-C685-411C-B7F1-D3A9BA00CC0E}"/>
-              </a:ext>
-            </a:extLst>
-          </p:cNvPr>
-          <p:cNvSpPr txBox="1"/>
-          <p:nvPr/>
-        </p:nvSpPr>
-        <p:spPr>
-          <a:xfrm flipH="1">
-            <a:off x="5791200" y="2164081"/>
-            <a:ext cx="2819400" cy="369332"/>
-          </a:xfrm>
-          <a:prstGeom prst="rect">
-            <a:avLst/>
-          </a:prstGeom>
-          <a:noFill/>
-        </p:spPr>
-        <p:txBody>
-          <a:bodyPr wrap="square" rtlCol="0">
-            <a:spAutoFit/>
-          </a:bodyPr>
-          <a:lstStyle/>
-          <a:p>
-            <a:r>
-              <a:rPr lang="en-US" dirty="0"/>
-              <a:t>Placeholder for spatial Plot</a:t>
-            </a:r>
           </a:p>
         </p:txBody>
       </p:sp>
@@ -5024,6 +4981,42 @@
           </a:graphicData>
         </a:graphic>
       </p:graphicFrame>
+      <p:pic>
+        <p:nvPicPr>
+          <p:cNvPr id="8" name="Picture 7" descr="A close up of a map&#10;&#10;Description automatically generated">
+            <a:extLst>
+              <a:ext uri="{FF2B5EF4-FFF2-40B4-BE49-F238E27FC236}">
+                <a16:creationId xmlns:a16="http://schemas.microsoft.com/office/drawing/2014/main" id="{B6099E41-2366-4C36-A899-2133D496E92F}"/>
+              </a:ext>
+            </a:extLst>
+          </p:cNvPr>
+          <p:cNvPicPr>
+            <a:picLocks noChangeAspect="1"/>
+          </p:cNvPicPr>
+          <p:nvPr/>
+        </p:nvPicPr>
+        <p:blipFill>
+          <a:blip r:embed="rId2">
+            <a:extLst>
+              <a:ext uri="{28A0092B-C50C-407E-A947-70E740481C1C}">
+                <a14:useLocalDpi xmlns:a14="http://schemas.microsoft.com/office/drawing/2010/main" val="0"/>
+              </a:ext>
+            </a:extLst>
+          </a:blip>
+          <a:stretch>
+            <a:fillRect/>
+          </a:stretch>
+        </p:blipFill>
+        <p:spPr>
+          <a:xfrm>
+            <a:off x="4346155" y="1180597"/>
+            <a:ext cx="4569245" cy="5113523"/>
+          </a:xfrm>
+          <a:prstGeom prst="rect">
+            <a:avLst/>
+          </a:prstGeom>
+        </p:spPr>
+      </p:pic>
     </p:spTree>
     <p:extLst>
       <p:ext uri="{BB962C8B-B14F-4D97-AF65-F5344CB8AC3E}">
@@ -5079,13 +5072,8 @@
           <a:p>
             <a:r>
               <a:rPr lang="en-US" dirty="0"/>
-              <a:t>Virtual Buoys – West Coast </a:t>
-            </a:r>
-            <a:r>
-              <a:rPr lang="en-US"/>
-              <a:t>~176 Gb</a:t>
-            </a:r>
-            <a:endParaRPr lang="en-US" dirty="0"/>
+              <a:t>Virtual Buoys – West Coast ~176 Gb</a:t>
+            </a:r>
           </a:p>
         </p:txBody>
       </p:sp>
@@ -5108,7 +5096,7 @@
         <p:spPr>
           <a:xfrm>
             <a:off x="228600" y="914400"/>
-            <a:ext cx="4343400" cy="3429000"/>
+            <a:ext cx="4343400" cy="3733800"/>
           </a:xfrm>
         </p:spPr>
         <p:txBody>
@@ -5119,7 +5107,7 @@
           <a:p>
             <a:r>
               <a:rPr lang="en-US" sz="1800" dirty="0"/>
-              <a:t>57 virtual buoy locations along the West Coast are available and will be continually expanded</a:t>
+              <a:t>57 virtual buoy locations along the West Coast are available and will be continually expanded upon</a:t>
             </a:r>
           </a:p>
           <a:p>
@@ -5164,7 +5152,7 @@
             <a:pPr lvl="1"/>
             <a:r>
               <a:rPr lang="en-US" sz="1200" dirty="0"/>
-              <a:t>[“time”, “frequency”, “direction”, “coordinates”] - ~(280512,</a:t>
+              <a:t>[“time”, “frequency”, “direction”, “coordinates”] - ~(280512,29,36,57) data points</a:t>
             </a:r>
           </a:p>
           <a:p>
@@ -6253,7 +6241,7 @@
           <a:p>
             <a:r>
               <a:rPr lang="en-US" dirty="0"/>
-              <a:t>The Virtual Buoy Datasets</a:t>
+              <a:t>Directional Wave Spectrum</a:t>
             </a:r>
           </a:p>
         </p:txBody>
@@ -6308,8 +6296,8 @@
         </p:nvSpPr>
         <p:spPr>
           <a:xfrm>
-            <a:off x="609600" y="766928"/>
-            <a:ext cx="3429000" cy="3170099"/>
+            <a:off x="462776" y="979449"/>
+            <a:ext cx="3429000" cy="2554545"/>
           </a:xfrm>
           <a:prstGeom prst="rect">
             <a:avLst/>
@@ -6328,7 +6316,7 @@
             </a:pPr>
             <a:r>
               <a:rPr lang="en-US" sz="2000" dirty="0"/>
-              <a:t>Virtual Buoy Datasets offer directional wave spectrum parameters  </a:t>
+              <a:t>Virtual Buoy Directional Wave Spectrum have the extra dimensionality</a:t>
             </a:r>
           </a:p>
           <a:p>
@@ -6336,10 +6324,7 @@
               <a:buFont typeface="Arial" panose="020B0604020202020204" pitchFamily="34" charset="0"/>
               <a:buChar char="•"/>
             </a:pPr>
-            <a:r>
-              <a:rPr lang="en-US" sz="2000" dirty="0"/>
-              <a:t>More dimensions in the dataset calls for a more complex index structure</a:t>
-            </a:r>
+            <a:endParaRPr lang="en-US" sz="2000" dirty="0"/>
           </a:p>
           <a:p>
             <a:pPr marL="285750" indent="-285750">
@@ -6386,8 +6371,8 @@
         </p:blipFill>
         <p:spPr>
           <a:xfrm>
-            <a:off x="838200" y="3962400"/>
-            <a:ext cx="2558876" cy="2535400"/>
+            <a:off x="951900" y="3436434"/>
+            <a:ext cx="2939876" cy="3068800"/>
           </a:xfrm>
           <a:prstGeom prst="rect">
             <a:avLst/>
